--- a/Docxs/確定仕様書().pptx
+++ b/Docxs/確定仕様書().pptx
@@ -234,7 +234,7 @@
           <a:p>
             <a:fld id="{8C50A024-DC51-4954-9ED6-7A3D663A3395}" type="datetimeFigureOut">
               <a:rPr kumimoji="1" lang="ja-JP" altLang="en-US" smtClean="0"/>
-              <a:t>2018/10/4</a:t>
+              <a:t>2018/12/9</a:t>
             </a:fld>
             <a:endParaRPr kumimoji="1" lang="ja-JP" altLang="en-US"/>
           </a:p>
@@ -680,7 +680,7 @@
           <a:p>
             <a:fld id="{F7D118B0-B51F-4D0C-AEFF-295220A4BFC2}" type="datetimeFigureOut">
               <a:rPr kumimoji="1" lang="ja-JP" altLang="en-US" smtClean="0"/>
-              <a:t>2018/10/4</a:t>
+              <a:t>2018/12/9</a:t>
             </a:fld>
             <a:endParaRPr kumimoji="1" lang="ja-JP" altLang="en-US"/>
           </a:p>
@@ -910,7 +910,7 @@
           <a:p>
             <a:fld id="{F7D118B0-B51F-4D0C-AEFF-295220A4BFC2}" type="datetimeFigureOut">
               <a:rPr kumimoji="1" lang="ja-JP" altLang="en-US" smtClean="0"/>
-              <a:t>2018/10/4</a:t>
+              <a:t>2018/12/9</a:t>
             </a:fld>
             <a:endParaRPr kumimoji="1" lang="ja-JP" altLang="en-US"/>
           </a:p>
@@ -1150,7 +1150,7 @@
           <a:p>
             <a:fld id="{F7D118B0-B51F-4D0C-AEFF-295220A4BFC2}" type="datetimeFigureOut">
               <a:rPr kumimoji="1" lang="ja-JP" altLang="en-US" smtClean="0"/>
-              <a:t>2018/10/4</a:t>
+              <a:t>2018/12/9</a:t>
             </a:fld>
             <a:endParaRPr kumimoji="1" lang="ja-JP" altLang="en-US"/>
           </a:p>
@@ -1380,7 +1380,7 @@
           <a:p>
             <a:fld id="{F7D118B0-B51F-4D0C-AEFF-295220A4BFC2}" type="datetimeFigureOut">
               <a:rPr kumimoji="1" lang="ja-JP" altLang="en-US" smtClean="0"/>
-              <a:t>2018/10/4</a:t>
+              <a:t>2018/12/9</a:t>
             </a:fld>
             <a:endParaRPr kumimoji="1" lang="ja-JP" altLang="en-US"/>
           </a:p>
@@ -1655,7 +1655,7 @@
           <a:p>
             <a:fld id="{F7D118B0-B51F-4D0C-AEFF-295220A4BFC2}" type="datetimeFigureOut">
               <a:rPr kumimoji="1" lang="ja-JP" altLang="en-US" smtClean="0"/>
-              <a:t>2018/10/4</a:t>
+              <a:t>2018/12/9</a:t>
             </a:fld>
             <a:endParaRPr kumimoji="1" lang="ja-JP" altLang="en-US"/>
           </a:p>
@@ -1984,7 +1984,7 @@
           <a:p>
             <a:fld id="{F7D118B0-B51F-4D0C-AEFF-295220A4BFC2}" type="datetimeFigureOut">
               <a:rPr kumimoji="1" lang="ja-JP" altLang="en-US" smtClean="0"/>
-              <a:t>2018/10/4</a:t>
+              <a:t>2018/12/9</a:t>
             </a:fld>
             <a:endParaRPr kumimoji="1" lang="ja-JP" altLang="en-US"/>
           </a:p>
@@ -2460,7 +2460,7 @@
           <a:p>
             <a:fld id="{F7D118B0-B51F-4D0C-AEFF-295220A4BFC2}" type="datetimeFigureOut">
               <a:rPr kumimoji="1" lang="ja-JP" altLang="en-US" smtClean="0"/>
-              <a:t>2018/10/4</a:t>
+              <a:t>2018/12/9</a:t>
             </a:fld>
             <a:endParaRPr kumimoji="1" lang="ja-JP" altLang="en-US"/>
           </a:p>
@@ -2601,7 +2601,7 @@
           <a:p>
             <a:fld id="{F7D118B0-B51F-4D0C-AEFF-295220A4BFC2}" type="datetimeFigureOut">
               <a:rPr kumimoji="1" lang="ja-JP" altLang="en-US" smtClean="0"/>
-              <a:t>2018/10/4</a:t>
+              <a:t>2018/12/9</a:t>
             </a:fld>
             <a:endParaRPr kumimoji="1" lang="ja-JP" altLang="en-US"/>
           </a:p>
@@ -2714,7 +2714,7 @@
           <a:p>
             <a:fld id="{F7D118B0-B51F-4D0C-AEFF-295220A4BFC2}" type="datetimeFigureOut">
               <a:rPr kumimoji="1" lang="ja-JP" altLang="en-US" smtClean="0"/>
-              <a:t>2018/10/4</a:t>
+              <a:t>2018/12/9</a:t>
             </a:fld>
             <a:endParaRPr kumimoji="1" lang="ja-JP" altLang="en-US"/>
           </a:p>
@@ -3057,7 +3057,7 @@
           <a:p>
             <a:fld id="{F7D118B0-B51F-4D0C-AEFF-295220A4BFC2}" type="datetimeFigureOut">
               <a:rPr kumimoji="1" lang="ja-JP" altLang="en-US" smtClean="0"/>
-              <a:t>2018/10/4</a:t>
+              <a:t>2018/12/9</a:t>
             </a:fld>
             <a:endParaRPr kumimoji="1" lang="ja-JP" altLang="en-US"/>
           </a:p>
@@ -3345,7 +3345,7 @@
           <a:p>
             <a:fld id="{F7D118B0-B51F-4D0C-AEFF-295220A4BFC2}" type="datetimeFigureOut">
               <a:rPr kumimoji="1" lang="ja-JP" altLang="en-US" smtClean="0"/>
-              <a:t>2018/10/4</a:t>
+              <a:t>2018/12/9</a:t>
             </a:fld>
             <a:endParaRPr kumimoji="1" lang="ja-JP" altLang="en-US"/>
           </a:p>
@@ -3618,7 +3618,7 @@
           <a:p>
             <a:fld id="{F7D118B0-B51F-4D0C-AEFF-295220A4BFC2}" type="datetimeFigureOut">
               <a:rPr kumimoji="1" lang="ja-JP" altLang="en-US" smtClean="0"/>
-              <a:t>2018/10/4</a:t>
+              <a:t>2018/12/9</a:t>
             </a:fld>
             <a:endParaRPr kumimoji="1" lang="ja-JP" altLang="en-US"/>
           </a:p>
@@ -16669,103 +16669,6 @@
       </p:cxnSp>
       <p:sp>
         <p:nvSpPr>
-          <p:cNvPr id="21" name="四角形: 角を丸くする 20">
-            <a:extLst>
-              <a:ext uri="{FF2B5EF4-FFF2-40B4-BE49-F238E27FC236}">
-                <a16:creationId xmlns:a16="http://schemas.microsoft.com/office/drawing/2014/main" id="{76ED2E3A-C9CC-49CC-BD56-4DABE06BB3CB}"/>
-              </a:ext>
-            </a:extLst>
-          </p:cNvPr>
-          <p:cNvSpPr/>
-          <p:nvPr/>
-        </p:nvSpPr>
-        <p:spPr>
-          <a:xfrm>
-            <a:off x="4951925" y="310454"/>
-            <a:ext cx="3879884" cy="1848767"/>
-          </a:xfrm>
-          <a:prstGeom prst="roundRect">
-            <a:avLst/>
-          </a:prstGeom>
-          <a:solidFill>
-            <a:schemeClr val="bg1">
-              <a:lumMod val="95000"/>
-            </a:schemeClr>
-          </a:solidFill>
-          <a:ln>
-            <a:solidFill>
-              <a:srgbClr val="C00000"/>
-            </a:solidFill>
-          </a:ln>
-        </p:spPr>
-        <p:style>
-          <a:lnRef idx="2">
-            <a:schemeClr val="accent1">
-              <a:shade val="50000"/>
-            </a:schemeClr>
-          </a:lnRef>
-          <a:fillRef idx="1">
-            <a:schemeClr val="accent1"/>
-          </a:fillRef>
-          <a:effectRef idx="0">
-            <a:schemeClr val="accent1"/>
-          </a:effectRef>
-          <a:fontRef idx="minor">
-            <a:schemeClr val="lt1"/>
-          </a:fontRef>
-        </p:style>
-        <p:txBody>
-          <a:bodyPr rtlCol="0" anchor="ctr"/>
-          <a:lstStyle/>
-          <a:p>
-            <a:r>
-              <a:rPr kumimoji="1" lang="ja-JP" altLang="en-US" b="1" dirty="0">
-                <a:solidFill>
-                  <a:srgbClr val="FF0000"/>
-                </a:solidFill>
-              </a:rPr>
-              <a:t>時系列での動きを書く</a:t>
-            </a:r>
-            <a:endParaRPr kumimoji="1" lang="en-US" altLang="ja-JP" b="1" dirty="0">
-              <a:solidFill>
-                <a:srgbClr val="FF0000"/>
-              </a:solidFill>
-            </a:endParaRPr>
-          </a:p>
-          <a:p>
-            <a:r>
-              <a:rPr kumimoji="1" lang="ja-JP" altLang="en-US" b="1" dirty="0">
-                <a:solidFill>
-                  <a:srgbClr val="FF0000"/>
-                </a:solidFill>
-              </a:rPr>
-              <a:t>・この画面に入る時、出るときのトランジション。（秒数指定すること）</a:t>
-            </a:r>
-            <a:endParaRPr kumimoji="1" lang="en-US" altLang="ja-JP" b="1" dirty="0">
-              <a:solidFill>
-                <a:srgbClr val="FF0000"/>
-              </a:solidFill>
-            </a:endParaRPr>
-          </a:p>
-          <a:p>
-            <a:r>
-              <a:rPr lang="ja-JP" altLang="en-US" b="1" dirty="0">
-                <a:solidFill>
-                  <a:srgbClr val="FF0000"/>
-                </a:solidFill>
-              </a:rPr>
-              <a:t>・ボタン移動が可能であることの説明</a:t>
-            </a:r>
-            <a:endParaRPr kumimoji="1" lang="ja-JP" altLang="en-US" b="1" dirty="0">
-              <a:solidFill>
-                <a:srgbClr val="FF0000"/>
-              </a:solidFill>
-            </a:endParaRPr>
-          </a:p>
-        </p:txBody>
-      </p:sp>
-      <p:sp>
-        <p:nvSpPr>
           <p:cNvPr id="16" name="テキスト ボックス 15">
             <a:extLst>
               <a:ext uri="{FF2B5EF4-FFF2-40B4-BE49-F238E27FC236}">
@@ -22066,55 +21969,6 @@
               <a:t>捕食</a:t>
             </a:r>
             <a:endParaRPr kumimoji="1" lang="en-US" altLang="ja-JP" dirty="0"/>
-          </a:p>
-        </p:txBody>
-      </p:sp>
-      <p:sp>
-        <p:nvSpPr>
-          <p:cNvPr id="27" name="フローチャート: 結合子 26">
-            <a:extLst>
-              <a:ext uri="{FF2B5EF4-FFF2-40B4-BE49-F238E27FC236}">
-                <a16:creationId xmlns:a16="http://schemas.microsoft.com/office/drawing/2014/main" id="{81C9F45F-FF63-4B1B-ABF9-CB4090EC468D}"/>
-              </a:ext>
-            </a:extLst>
-          </p:cNvPr>
-          <p:cNvSpPr/>
-          <p:nvPr/>
-        </p:nvSpPr>
-        <p:spPr>
-          <a:xfrm>
-            <a:off x="5107456" y="4094698"/>
-            <a:ext cx="679147" cy="714493"/>
-          </a:xfrm>
-          <a:prstGeom prst="flowChartConnector">
-            <a:avLst/>
-          </a:prstGeom>
-        </p:spPr>
-        <p:style>
-          <a:lnRef idx="2">
-            <a:schemeClr val="accent1">
-              <a:shade val="50000"/>
-            </a:schemeClr>
-          </a:lnRef>
-          <a:fillRef idx="1">
-            <a:schemeClr val="accent1"/>
-          </a:fillRef>
-          <a:effectRef idx="0">
-            <a:schemeClr val="accent1"/>
-          </a:effectRef>
-          <a:fontRef idx="minor">
-            <a:schemeClr val="lt1"/>
-          </a:fontRef>
-        </p:style>
-        <p:txBody>
-          <a:bodyPr rtlCol="0" anchor="ctr"/>
-          <a:lstStyle/>
-          <a:p>
-            <a:pPr algn="ctr"/>
-            <a:r>
-              <a:rPr kumimoji="1" lang="ja-JP" altLang="en-US" dirty="0"/>
-              <a:t>力</a:t>
-            </a:r>
           </a:p>
         </p:txBody>
       </p:sp>
